--- a/materials/slides/challenge_of_inference/challenge_of_inference.pptx
+++ b/materials/slides/challenge_of_inference/challenge_of_inference.pptx
@@ -5,7 +5,7 @@
     <p:sldMasterId id="2147483648" r:id="rId1"/>
   </p:sldMasterIdLst>
   <p:notesMasterIdLst>
-    <p:notesMasterId r:id="rId11"/>
+    <p:notesMasterId r:id="rId12"/>
   </p:notesMasterIdLst>
   <p:sldIdLst>
     <p:sldId id="261" r:id="rId2"/>
@@ -17,6 +17,7 @@
     <p:sldId id="267" r:id="rId8"/>
     <p:sldId id="268" r:id="rId9"/>
     <p:sldId id="269" r:id="rId10"/>
+    <p:sldId id="270" r:id="rId11"/>
   </p:sldIdLst>
   <p:sldSz cx="13004800" cy="9753600"/>
   <p:notesSz cx="6858000" cy="9144000"/>
@@ -2076,6 +2077,202 @@
       <p:bldP spid="49" grpId="1" build="p" bldLvl="5" animBg="1" advAuto="0"/>
     </p:bldLst>
   </p:timing>
+</p:sld>
+</file>
+
+<file path=ppt/slides/slide10.xml><?xml version="1.0" encoding="utf-8"?>
+<p:sld xmlns:a="http://schemas.openxmlformats.org/drawingml/2006/main" xmlns:r="http://schemas.openxmlformats.org/officeDocument/2006/relationships" xmlns:p="http://schemas.openxmlformats.org/presentationml/2006/main">
+  <p:cSld>
+    <p:spTree>
+      <p:nvGrpSpPr>
+        <p:cNvPr id="1" name=""/>
+        <p:cNvGrpSpPr/>
+        <p:nvPr/>
+      </p:nvGrpSpPr>
+      <p:grpSpPr>
+        <a:xfrm>
+          <a:off x="0" y="0"/>
+          <a:ext cx="0" cy="0"/>
+          <a:chOff x="0" y="0"/>
+          <a:chExt cx="0" cy="0"/>
+        </a:xfrm>
+      </p:grpSpPr>
+      <p:pic>
+        <p:nvPicPr>
+          <p:cNvPr id="2" name="Picture 1" descr="Screenshot 2015-10-29 10.43.39.png"/>
+          <p:cNvPicPr>
+            <a:picLocks noChangeAspect="1"/>
+          </p:cNvPicPr>
+          <p:nvPr/>
+        </p:nvPicPr>
+        <p:blipFill>
+          <a:blip r:embed="rId2">
+            <a:extLst>
+              <a:ext uri="{28A0092B-C50C-407E-A947-70E740481C1C}">
+                <a14:useLocalDpi xmlns:a14="http://schemas.microsoft.com/office/drawing/2010/main" val="0"/>
+              </a:ext>
+            </a:extLst>
+          </a:blip>
+          <a:stretch>
+            <a:fillRect/>
+          </a:stretch>
+        </p:blipFill>
+        <p:spPr>
+          <a:xfrm>
+            <a:off x="3200400" y="1462044"/>
+            <a:ext cx="6156779" cy="7364455"/>
+          </a:xfrm>
+          <a:prstGeom prst="rect">
+            <a:avLst/>
+          </a:prstGeom>
+        </p:spPr>
+      </p:pic>
+      <p:sp>
+        <p:nvSpPr>
+          <p:cNvPr id="3" name="TextBox 2"/>
+          <p:cNvSpPr txBox="1"/>
+          <p:nvPr/>
+        </p:nvSpPr>
+        <p:spPr>
+          <a:xfrm>
+            <a:off x="1792710" y="627734"/>
+            <a:ext cx="9801180" cy="656590"/>
+          </a:xfrm>
+          <a:prstGeom prst="rect">
+            <a:avLst/>
+          </a:prstGeom>
+          <a:noFill/>
+          <a:ln w="12700" cap="flat">
+            <a:noFill/>
+            <a:miter lim="400000"/>
+          </a:ln>
+          <a:effectLst/>
+        </p:spPr>
+        <p:style>
+          <a:lnRef idx="0">
+            <a:scrgbClr r="0" g="0" b="0"/>
+          </a:lnRef>
+          <a:fillRef idx="0">
+            <a:scrgbClr r="0" g="0" b="0"/>
+          </a:fillRef>
+          <a:effectRef idx="0">
+            <a:scrgbClr r="0" g="0" b="0"/>
+          </a:effectRef>
+          <a:fontRef idx="none"/>
+        </p:style>
+        <p:txBody>
+          <a:bodyPr rot="0" spcFirstLastPara="1" vertOverflow="overflow" horzOverflow="overflow" vert="horz" wrap="none" lIns="50800" tIns="50800" rIns="50800" bIns="50800" numCol="1" spcCol="38100" rtlCol="0" anchor="ctr">
+            <a:spAutoFit/>
+          </a:bodyPr>
+          <a:lstStyle/>
+          <a:p>
+            <a:pPr marL="0" marR="0" indent="0" algn="ctr" defTabSz="584200" rtl="0" fontAlgn="auto" latinLnBrk="1" hangingPunct="0">
+              <a:lnSpc>
+                <a:spcPct val="100000"/>
+              </a:lnSpc>
+              <a:spcBef>
+                <a:spcPts val="0"/>
+              </a:spcBef>
+              <a:spcAft>
+                <a:spcPts val="0"/>
+              </a:spcAft>
+              <a:buClrTx/>
+              <a:buSzTx/>
+              <a:buFontTx/>
+              <a:buNone/>
+              <a:tabLst/>
+            </a:pPr>
+            <a:r>
+              <a:rPr kumimoji="0" lang="en-US" sz="3600" b="0" i="0" u="none" strike="noStrike" cap="none" spc="0" normalizeH="0" baseline="0" dirty="0" smtClean="0">
+                <a:ln>
+                  <a:noFill/>
+                </a:ln>
+                <a:solidFill>
+                  <a:srgbClr val="000000"/>
+                </a:solidFill>
+                <a:effectLst/>
+                <a:uFillTx/>
+                <a:latin typeface="+mn-lt"/>
+                <a:ea typeface="+mn-ea"/>
+                <a:cs typeface="+mn-cs"/>
+                <a:sym typeface="Helvetica Light"/>
+              </a:rPr>
+              <a:t>Roadmap for Evaluating Your Causal Inference</a:t>
+            </a:r>
+            <a:endParaRPr kumimoji="0" lang="en-US" sz="3600" b="0" i="0" u="none" strike="noStrike" cap="none" spc="0" normalizeH="0" baseline="0" dirty="0">
+              <a:ln>
+                <a:noFill/>
+              </a:ln>
+              <a:solidFill>
+                <a:srgbClr val="000000"/>
+              </a:solidFill>
+              <a:effectLst/>
+              <a:uFillTx/>
+              <a:latin typeface="+mn-lt"/>
+              <a:ea typeface="+mn-ea"/>
+              <a:cs typeface="+mn-cs"/>
+              <a:sym typeface="Helvetica Light"/>
+            </a:endParaRPr>
+          </a:p>
+        </p:txBody>
+      </p:sp>
+      <p:sp>
+        <p:nvSpPr>
+          <p:cNvPr id="4" name="Rectangle 3"/>
+          <p:cNvSpPr/>
+          <p:nvPr/>
+        </p:nvSpPr>
+        <p:spPr>
+          <a:xfrm>
+            <a:off x="9356746" y="8826499"/>
+            <a:ext cx="2378478" cy="369332"/>
+          </a:xfrm>
+          <a:prstGeom prst="rect">
+            <a:avLst/>
+          </a:prstGeom>
+        </p:spPr>
+        <p:txBody>
+          <a:bodyPr wrap="none">
+            <a:spAutoFit/>
+          </a:bodyPr>
+          <a:lstStyle/>
+          <a:p>
+            <a:pPr rtl="0" latinLnBrk="1" hangingPunct="0"/>
+            <a:r>
+              <a:rPr lang="en-US" sz="1800" dirty="0" err="1">
+                <a:solidFill>
+                  <a:srgbClr val="000000"/>
+                </a:solidFill>
+              </a:rPr>
+              <a:t>Kellstedt</a:t>
+            </a:r>
+            <a:r>
+              <a:rPr lang="en-US" sz="1800" dirty="0">
+                <a:solidFill>
+                  <a:srgbClr val="000000"/>
+                </a:solidFill>
+              </a:rPr>
+              <a:t> and Whitten</a:t>
+            </a:r>
+            <a:endParaRPr lang="en-US" sz="1800" dirty="0">
+              <a:solidFill>
+                <a:srgbClr val="000000"/>
+              </a:solidFill>
+            </a:endParaRPr>
+          </a:p>
+        </p:txBody>
+      </p:sp>
+    </p:spTree>
+    <p:extLst>
+      <p:ext uri="{BB962C8B-B14F-4D97-AF65-F5344CB8AC3E}">
+        <p14:creationId xmlns:p14="http://schemas.microsoft.com/office/powerpoint/2010/main" val="1522672633"/>
+      </p:ext>
+    </p:extLst>
+  </p:cSld>
+  <p:clrMapOvr>
+    <a:masterClrMapping/>
+  </p:clrMapOvr>
+  <p:transition xmlns:p14="http://schemas.microsoft.com/office/powerpoint/2010/main" spd="med"/>
 </p:sld>
 </file>
 
@@ -2660,7 +2857,7 @@
               <a:defRPr sz="1800"/>
             </a:pPr>
             <a:r>
-              <a:rPr sz="3600"/>
+              <a:rPr sz="3600" dirty="0"/>
               <a:t>AKA the “SUTVA”: The Stable Unit Treatment Value Assumption</a:t>
             </a:r>
           </a:p>
@@ -2669,7 +2866,7 @@
               <a:defRPr sz="1800"/>
             </a:pPr>
             <a:r>
-              <a:rPr sz="3600"/>
+              <a:rPr sz="3600" dirty="0"/>
               <a:t>"the [potential outcome] observation on one unit should be unaffected by the particular assignment of treatments to the other units" (Cox 1958)</a:t>
             </a:r>
           </a:p>
@@ -2678,7 +2875,7 @@
               <a:defRPr sz="1800"/>
             </a:pPr>
             <a:r>
-              <a:rPr sz="3600"/>
+              <a:rPr sz="3600" dirty="0"/>
               <a:t>                      if </a:t>
             </a:r>
           </a:p>
@@ -2687,7 +2884,7 @@
               <a:defRPr sz="1800"/>
             </a:pPr>
             <a:r>
-              <a:rPr sz="3600"/>
+              <a:rPr sz="3600" dirty="0"/>
               <a:t>Very important/tricky in social research (hint: strategic interactions, time, etc.)</a:t>
             </a:r>
           </a:p>
@@ -3450,7 +3647,7 @@
               <a:defRPr sz="1800"/>
             </a:pPr>
             <a:r>
-              <a:rPr sz="3168"/>
+              <a:rPr sz="3168" dirty="0"/>
               <a:t>Suppose some units </a:t>
             </a:r>
           </a:p>
@@ -3462,11 +3659,11 @@
               <a:defRPr sz="1800"/>
             </a:pPr>
             <a:r>
-              <a:rPr sz="3168"/>
+              <a:rPr sz="3168" dirty="0"/>
               <a:t>A dependent variable</a:t>
             </a:r>
             <a:r>
-              <a:rPr sz="3168" i="1"/>
+              <a:rPr sz="3168" i="1" dirty="0"/>
               <a:t>    </a:t>
             </a:r>
           </a:p>
@@ -3478,7 +3675,7 @@
               <a:defRPr sz="1800"/>
             </a:pPr>
             <a:r>
-              <a:rPr sz="3168"/>
+              <a:rPr sz="3168" dirty="0"/>
               <a:t>An independent variable </a:t>
             </a:r>
           </a:p>
@@ -3490,11 +3687,11 @@
               <a:defRPr sz="1800"/>
             </a:pPr>
             <a:r>
-              <a:rPr sz="3168"/>
+              <a:rPr sz="3168" dirty="0"/>
               <a:t>The value of </a:t>
             </a:r>
             <a:r>
-              <a:rPr sz="3168" b="1" i="1">
+              <a:rPr sz="3168" b="1" i="1" dirty="0">
                 <a:latin typeface="Helvetica"/>
                 <a:ea typeface="Helvetica"/>
                 <a:cs typeface="Helvetica"/>
@@ -3503,11 +3700,11 @@
               <a:t>Y</a:t>
             </a:r>
             <a:r>
-              <a:rPr sz="3168" i="1"/>
+              <a:rPr sz="3168" i="1" dirty="0"/>
               <a:t> </a:t>
             </a:r>
             <a:r>
-              <a:rPr sz="3168"/>
+              <a:rPr sz="3168" dirty="0"/>
               <a:t>given some treatment</a:t>
             </a:r>
           </a:p>
@@ -3519,11 +3716,11 @@
               <a:defRPr sz="1800"/>
             </a:pPr>
             <a:r>
-              <a:rPr sz="3168"/>
+              <a:rPr sz="3168" dirty="0"/>
               <a:t>The value of </a:t>
             </a:r>
             <a:r>
-              <a:rPr sz="3168" b="1" i="1">
+              <a:rPr sz="3168" b="1" i="1" dirty="0">
                 <a:latin typeface="Helvetica"/>
                 <a:ea typeface="Helvetica"/>
                 <a:cs typeface="Helvetica"/>
@@ -3532,7 +3729,7 @@
               <a:t>Y </a:t>
             </a:r>
             <a:r>
-              <a:rPr sz="3168"/>
+              <a:rPr sz="3168" dirty="0"/>
               <a:t>given no treatment is</a:t>
             </a:r>
           </a:p>
@@ -3544,7 +3741,7 @@
               <a:defRPr sz="1800"/>
             </a:pPr>
             <a:r>
-              <a:rPr sz="3168"/>
+              <a:rPr sz="3168" dirty="0"/>
               <a:t>A basic formal statement of the causal effect is</a:t>
             </a:r>
           </a:p>
@@ -3566,7 +3763,7 @@
         </p:blipFill>
         <p:spPr>
           <a:xfrm>
-            <a:off x="5641677" y="3715965"/>
+            <a:off x="5641677" y="4109666"/>
             <a:ext cx="368301" cy="393701"/>
           </a:xfrm>
           <a:prstGeom prst="rect">
@@ -3593,7 +3790,7 @@
         </p:blipFill>
         <p:spPr>
           <a:xfrm>
-            <a:off x="8432601" y="5518150"/>
+            <a:off x="8432601" y="5975350"/>
             <a:ext cx="1816101" cy="457200"/>
           </a:xfrm>
           <a:prstGeom prst="rect">
@@ -3620,7 +3817,7 @@
         </p:blipFill>
         <p:spPr>
           <a:xfrm>
-            <a:off x="6146204" y="4679950"/>
+            <a:off x="6146204" y="5073650"/>
             <a:ext cx="482601" cy="393700"/>
           </a:xfrm>
           <a:prstGeom prst="rect">
@@ -3647,7 +3844,7 @@
         </p:blipFill>
         <p:spPr>
           <a:xfrm>
-            <a:off x="8234759" y="6504830"/>
+            <a:off x="8234759" y="6974731"/>
             <a:ext cx="1828801" cy="469901"/>
           </a:xfrm>
           <a:prstGeom prst="rect">
@@ -3674,7 +3871,7 @@
         </p:blipFill>
         <p:spPr>
           <a:xfrm>
-            <a:off x="3190230" y="7858174"/>
+            <a:off x="3177877" y="8296129"/>
             <a:ext cx="5664201" cy="939801"/>
           </a:xfrm>
           <a:prstGeom prst="rect">
@@ -4623,13 +4820,19 @@
       </p:grpSpPr>
       <p:pic>
         <p:nvPicPr>
-          <p:cNvPr id="80" name="correlation.png"/>
-          <p:cNvPicPr/>
+          <p:cNvPr id="2" name="Picture 1" descr="Screenshot 2015-10-29 10.43.09.png"/>
+          <p:cNvPicPr>
+            <a:picLocks noChangeAspect="1"/>
+          </p:cNvPicPr>
           <p:nvPr/>
         </p:nvPicPr>
         <p:blipFill>
           <a:blip r:embed="rId2">
-            <a:extLst/>
+            <a:extLst>
+              <a:ext uri="{28A0092B-C50C-407E-A947-70E740481C1C}">
+                <a14:useLocalDpi xmlns:a14="http://schemas.microsoft.com/office/drawing/2010/main" val="0"/>
+              </a:ext>
+            </a:extLst>
           </a:blip>
           <a:stretch>
             <a:fillRect/>
@@ -4637,17 +4840,226 @@
         </p:blipFill>
         <p:spPr>
           <a:xfrm>
-            <a:off x="1177966" y="2730786"/>
-            <a:ext cx="10648868" cy="4292028"/>
+            <a:off x="0" y="2573090"/>
+            <a:ext cx="13179334" cy="3263691"/>
           </a:xfrm>
           <a:prstGeom prst="rect">
             <a:avLst/>
           </a:prstGeom>
-          <a:ln w="12700">
+        </p:spPr>
+      </p:pic>
+      <p:sp>
+        <p:nvSpPr>
+          <p:cNvPr id="3" name="TextBox 2"/>
+          <p:cNvSpPr txBox="1"/>
+          <p:nvPr/>
+        </p:nvSpPr>
+        <p:spPr>
+          <a:xfrm>
+            <a:off x="9016220" y="8471422"/>
+            <a:ext cx="2540162" cy="410369"/>
+          </a:xfrm>
+          <a:prstGeom prst="rect">
+            <a:avLst/>
+          </a:prstGeom>
+          <a:noFill/>
+          <a:ln w="12700" cap="flat">
+            <a:noFill/>
             <a:miter lim="400000"/>
           </a:ln>
+          <a:effectLst/>
         </p:spPr>
-      </p:pic>
+        <p:style>
+          <a:lnRef idx="0">
+            <a:scrgbClr r="0" g="0" b="0"/>
+          </a:lnRef>
+          <a:fillRef idx="0">
+            <a:scrgbClr r="0" g="0" b="0"/>
+          </a:fillRef>
+          <a:effectRef idx="0">
+            <a:scrgbClr r="0" g="0" b="0"/>
+          </a:effectRef>
+          <a:fontRef idx="none"/>
+        </p:style>
+        <p:txBody>
+          <a:bodyPr rot="0" spcFirstLastPara="1" vertOverflow="overflow" horzOverflow="overflow" vert="horz" wrap="none" lIns="50800" tIns="50800" rIns="50800" bIns="50800" numCol="1" spcCol="38100" rtlCol="0" anchor="ctr">
+            <a:spAutoFit/>
+          </a:bodyPr>
+          <a:lstStyle/>
+          <a:p>
+            <a:pPr marL="0" marR="0" indent="0" algn="ctr" defTabSz="584200" rtl="0" fontAlgn="auto" latinLnBrk="1" hangingPunct="0">
+              <a:lnSpc>
+                <a:spcPct val="100000"/>
+              </a:lnSpc>
+              <a:spcBef>
+                <a:spcPts val="0"/>
+              </a:spcBef>
+              <a:spcAft>
+                <a:spcPts val="0"/>
+              </a:spcAft>
+              <a:buClrTx/>
+              <a:buSzTx/>
+              <a:buFontTx/>
+              <a:buNone/>
+              <a:tabLst/>
+            </a:pPr>
+            <a:r>
+              <a:rPr kumimoji="0" lang="en-US" sz="2000" b="0" i="0" u="none" strike="noStrike" cap="none" spc="0" normalizeH="0" baseline="0" dirty="0" err="1" smtClean="0">
+                <a:ln>
+                  <a:noFill/>
+                </a:ln>
+                <a:solidFill>
+                  <a:srgbClr val="000000"/>
+                </a:solidFill>
+                <a:effectLst/>
+                <a:uFillTx/>
+                <a:latin typeface="+mn-lt"/>
+                <a:ea typeface="+mn-ea"/>
+                <a:cs typeface="+mn-cs"/>
+                <a:sym typeface="Helvetica Light"/>
+              </a:rPr>
+              <a:t>Kellstedt</a:t>
+            </a:r>
+            <a:r>
+              <a:rPr kumimoji="0" lang="en-US" sz="2000" b="0" i="0" u="none" strike="noStrike" cap="none" spc="0" normalizeH="0" baseline="0" dirty="0" smtClean="0">
+                <a:ln>
+                  <a:noFill/>
+                </a:ln>
+                <a:solidFill>
+                  <a:srgbClr val="000000"/>
+                </a:solidFill>
+                <a:effectLst/>
+                <a:uFillTx/>
+                <a:latin typeface="+mn-lt"/>
+                <a:ea typeface="+mn-ea"/>
+                <a:cs typeface="+mn-cs"/>
+                <a:sym typeface="Helvetica Light"/>
+              </a:rPr>
+              <a:t> and Whitten</a:t>
+            </a:r>
+            <a:endParaRPr kumimoji="0" lang="en-US" sz="2000" b="0" i="0" u="none" strike="noStrike" cap="none" spc="0" normalizeH="0" baseline="0" dirty="0">
+              <a:ln>
+                <a:noFill/>
+              </a:ln>
+              <a:solidFill>
+                <a:srgbClr val="000000"/>
+              </a:solidFill>
+              <a:effectLst/>
+              <a:uFillTx/>
+              <a:latin typeface="+mn-lt"/>
+              <a:ea typeface="+mn-ea"/>
+              <a:cs typeface="+mn-cs"/>
+              <a:sym typeface="Helvetica Light"/>
+            </a:endParaRPr>
+          </a:p>
+        </p:txBody>
+      </p:sp>
+      <p:sp>
+        <p:nvSpPr>
+          <p:cNvPr id="4" name="TextBox 3"/>
+          <p:cNvSpPr txBox="1"/>
+          <p:nvPr/>
+        </p:nvSpPr>
+        <p:spPr>
+          <a:xfrm>
+            <a:off x="2989260" y="1464348"/>
+            <a:ext cx="6286552" cy="656590"/>
+          </a:xfrm>
+          <a:prstGeom prst="rect">
+            <a:avLst/>
+          </a:prstGeom>
+          <a:noFill/>
+          <a:ln w="12700" cap="flat">
+            <a:noFill/>
+            <a:miter lim="400000"/>
+          </a:ln>
+          <a:effectLst/>
+        </p:spPr>
+        <p:style>
+          <a:lnRef idx="0">
+            <a:scrgbClr r="0" g="0" b="0"/>
+          </a:lnRef>
+          <a:fillRef idx="0">
+            <a:scrgbClr r="0" g="0" b="0"/>
+          </a:fillRef>
+          <a:effectRef idx="0">
+            <a:scrgbClr r="0" g="0" b="0"/>
+          </a:effectRef>
+          <a:fontRef idx="none"/>
+        </p:style>
+        <p:txBody>
+          <a:bodyPr rot="0" spcFirstLastPara="1" vertOverflow="overflow" horzOverflow="overflow" vert="horz" wrap="none" lIns="50800" tIns="50800" rIns="50800" bIns="50800" numCol="1" spcCol="38100" rtlCol="0" anchor="ctr">
+            <a:spAutoFit/>
+          </a:bodyPr>
+          <a:lstStyle/>
+          <a:p>
+            <a:pPr marL="0" marR="0" indent="0" algn="ctr" defTabSz="584200" rtl="0" fontAlgn="auto" latinLnBrk="1" hangingPunct="0">
+              <a:lnSpc>
+                <a:spcPct val="100000"/>
+              </a:lnSpc>
+              <a:spcBef>
+                <a:spcPts val="0"/>
+              </a:spcBef>
+              <a:spcAft>
+                <a:spcPts val="0"/>
+              </a:spcAft>
+              <a:buClrTx/>
+              <a:buSzTx/>
+              <a:buFontTx/>
+              <a:buNone/>
+              <a:tabLst/>
+            </a:pPr>
+            <a:r>
+              <a:rPr kumimoji="0" lang="en-US" sz="3600" b="0" i="0" u="none" strike="noStrike" cap="none" spc="0" normalizeH="0" baseline="0" dirty="0" smtClean="0">
+                <a:ln>
+                  <a:noFill/>
+                </a:ln>
+                <a:solidFill>
+                  <a:srgbClr val="000000"/>
+                </a:solidFill>
+                <a:effectLst/>
+                <a:uFillTx/>
+                <a:latin typeface="+mn-lt"/>
+                <a:ea typeface="+mn-ea"/>
+                <a:cs typeface="+mn-cs"/>
+                <a:sym typeface="Helvetica Light"/>
+              </a:rPr>
+              <a:t>Evaluating</a:t>
+            </a:r>
+            <a:r>
+              <a:rPr kumimoji="0" lang="en-US" sz="3600" b="0" i="0" u="none" strike="noStrike" cap="none" spc="0" normalizeH="0" dirty="0" smtClean="0">
+                <a:ln>
+                  <a:noFill/>
+                </a:ln>
+                <a:solidFill>
+                  <a:srgbClr val="000000"/>
+                </a:solidFill>
+                <a:effectLst/>
+                <a:uFillTx/>
+                <a:latin typeface="+mn-lt"/>
+                <a:ea typeface="+mn-ea"/>
+                <a:cs typeface="+mn-cs"/>
+                <a:sym typeface="Helvetica Light"/>
+              </a:rPr>
+              <a:t> a Causal Inference</a:t>
+            </a:r>
+            <a:endParaRPr kumimoji="0" lang="en-US" sz="3600" b="0" i="0" u="none" strike="noStrike" cap="none" spc="0" normalizeH="0" baseline="0" dirty="0">
+              <a:ln>
+                <a:noFill/>
+              </a:ln>
+              <a:solidFill>
+                <a:srgbClr val="000000"/>
+              </a:solidFill>
+              <a:effectLst/>
+              <a:uFillTx/>
+              <a:latin typeface="+mn-lt"/>
+              <a:ea typeface="+mn-ea"/>
+              <a:cs typeface="+mn-cs"/>
+              <a:sym typeface="Helvetica Light"/>
+            </a:endParaRPr>
+          </a:p>
+        </p:txBody>
+      </p:sp>
     </p:spTree>
   </p:cSld>
   <p:clrMapOvr>
